--- a/ppt.pptx
+++ b/ppt.pptx
@@ -5,7 +5,7 @@
     <p:sldMasterId id="2147483659" r:id="rId1"/>
   </p:sldMasterIdLst>
   <p:notesMasterIdLst>
-    <p:notesMasterId r:id="rId10"/>
+    <p:notesMasterId r:id="rId12"/>
   </p:notesMasterIdLst>
   <p:sldIdLst>
     <p:sldId id="256" r:id="rId2"/>
@@ -16,28 +16,30 @@
     <p:sldId id="261" r:id="rId7"/>
     <p:sldId id="262" r:id="rId8"/>
     <p:sldId id="263" r:id="rId9"/>
+    <p:sldId id="264" r:id="rId10"/>
+    <p:sldId id="265" r:id="rId11"/>
   </p:sldIdLst>
   <p:sldSz cx="9144000" cy="5143500" type="screen16x9"/>
   <p:notesSz cx="6858000" cy="9144000"/>
   <p:embeddedFontLst>
     <p:embeddedFont>
-      <p:font typeface="Nunito" panose="020B0604020202020204" charset="0"/>
-      <p:regular r:id="rId11"/>
-      <p:bold r:id="rId12"/>
-      <p:italic r:id="rId13"/>
-      <p:boldItalic r:id="rId14"/>
+      <p:font typeface="Calibri" panose="020F0502020204030204" pitchFamily="34" charset="0"/>
+      <p:regular r:id="rId13"/>
+      <p:bold r:id="rId14"/>
+      <p:italic r:id="rId15"/>
+      <p:boldItalic r:id="rId16"/>
     </p:embeddedFont>
     <p:embeddedFont>
       <p:font typeface="Comfortaa" panose="020B0604020202020204" charset="0"/>
-      <p:regular r:id="rId15"/>
-      <p:bold r:id="rId16"/>
+      <p:regular r:id="rId17"/>
+      <p:bold r:id="rId18"/>
     </p:embeddedFont>
     <p:embeddedFont>
-      <p:font typeface="Calibri" panose="020F0502020204030204" pitchFamily="34" charset="0"/>
-      <p:regular r:id="rId17"/>
-      <p:bold r:id="rId18"/>
-      <p:italic r:id="rId19"/>
-      <p:boldItalic r:id="rId20"/>
+      <p:font typeface="Nunito" panose="020B0604020202020204" charset="0"/>
+      <p:regular r:id="rId19"/>
+      <p:bold r:id="rId20"/>
+      <p:italic r:id="rId21"/>
+      <p:boldItalic r:id="rId22"/>
     </p:embeddedFont>
   </p:embeddedFontLst>
   <p:defaultTextStyle>
@@ -1324,6 +1326,133 @@
     <p:extLst>
       <p:ext uri="{BB962C8B-B14F-4D97-AF65-F5344CB8AC3E}">
         <p14:creationId xmlns:p14="http://schemas.microsoft.com/office/powerpoint/2010/main" val="1939878881"/>
+      </p:ext>
+    </p:extLst>
+  </p:cSld>
+  <p:clrMapOvr>
+    <a:masterClrMapping/>
+  </p:clrMapOvr>
+</p:notes>
+</file>
+
+<file path=ppt/notesSlides/notesSlide7.xml><?xml version="1.0" encoding="utf-8"?>
+<p:notes xmlns:a="http://schemas.openxmlformats.org/drawingml/2006/main" xmlns:r="http://schemas.openxmlformats.org/officeDocument/2006/relationships" xmlns:p="http://schemas.openxmlformats.org/presentationml/2006/main">
+  <p:cSld>
+    <p:spTree>
+      <p:nvGrpSpPr>
+        <p:cNvPr id="1" name=""/>
+        <p:cNvGrpSpPr/>
+        <p:nvPr/>
+      </p:nvGrpSpPr>
+      <p:grpSpPr>
+        <a:xfrm>
+          <a:off x="0" y="0"/>
+          <a:ext cx="0" cy="0"/>
+          <a:chOff x="0" y="0"/>
+          <a:chExt cx="0" cy="0"/>
+        </a:xfrm>
+      </p:grpSpPr>
+      <p:sp>
+        <p:nvSpPr>
+          <p:cNvPr id="2" name="Slide Image Placeholder 1"/>
+          <p:cNvSpPr>
+            <a:spLocks noGrp="1" noRot="1" noChangeAspect="1"/>
+          </p:cNvSpPr>
+          <p:nvPr>
+            <p:ph type="sldImg"/>
+          </p:nvPr>
+        </p:nvSpPr>
+        <p:spPr>
+          <a:xfrm>
+            <a:off x="381000" y="685800"/>
+            <a:ext cx="6096000" cy="3429000"/>
+          </a:xfrm>
+        </p:spPr>
+      </p:sp>
+      <p:sp>
+        <p:nvSpPr>
+          <p:cNvPr id="3" name="Notes Placeholder 2"/>
+          <p:cNvSpPr>
+            <a:spLocks noGrp="1"/>
+          </p:cNvSpPr>
+          <p:nvPr>
+            <p:ph type="body" idx="1"/>
+          </p:nvPr>
+        </p:nvSpPr>
+        <p:spPr/>
+        <p:txBody>
+          <a:bodyPr/>
+          <a:lstStyle/>
+          <a:p>
+            <a:endParaRPr lang="en-IN" dirty="0"/>
+          </a:p>
+        </p:txBody>
+      </p:sp>
+    </p:spTree>
+    <p:extLst>
+      <p:ext uri="{BB962C8B-B14F-4D97-AF65-F5344CB8AC3E}">
+        <p14:creationId xmlns:p14="http://schemas.microsoft.com/office/powerpoint/2010/main" val="2101444720"/>
+      </p:ext>
+    </p:extLst>
+  </p:cSld>
+  <p:clrMapOvr>
+    <a:masterClrMapping/>
+  </p:clrMapOvr>
+</p:notes>
+</file>
+
+<file path=ppt/notesSlides/notesSlide8.xml><?xml version="1.0" encoding="utf-8"?>
+<p:notes xmlns:a="http://schemas.openxmlformats.org/drawingml/2006/main" xmlns:r="http://schemas.openxmlformats.org/officeDocument/2006/relationships" xmlns:p="http://schemas.openxmlformats.org/presentationml/2006/main">
+  <p:cSld>
+    <p:spTree>
+      <p:nvGrpSpPr>
+        <p:cNvPr id="1" name=""/>
+        <p:cNvGrpSpPr/>
+        <p:nvPr/>
+      </p:nvGrpSpPr>
+      <p:grpSpPr>
+        <a:xfrm>
+          <a:off x="0" y="0"/>
+          <a:ext cx="0" cy="0"/>
+          <a:chOff x="0" y="0"/>
+          <a:chExt cx="0" cy="0"/>
+        </a:xfrm>
+      </p:grpSpPr>
+      <p:sp>
+        <p:nvSpPr>
+          <p:cNvPr id="2" name="Slide Image Placeholder 1"/>
+          <p:cNvSpPr>
+            <a:spLocks noGrp="1" noRot="1" noChangeAspect="1"/>
+          </p:cNvSpPr>
+          <p:nvPr>
+            <p:ph type="sldImg"/>
+          </p:nvPr>
+        </p:nvSpPr>
+        <p:spPr/>
+      </p:sp>
+      <p:sp>
+        <p:nvSpPr>
+          <p:cNvPr id="3" name="Notes Placeholder 2"/>
+          <p:cNvSpPr>
+            <a:spLocks noGrp="1"/>
+          </p:cNvSpPr>
+          <p:nvPr>
+            <p:ph type="body" idx="1"/>
+          </p:nvPr>
+        </p:nvSpPr>
+        <p:spPr/>
+        <p:txBody>
+          <a:bodyPr/>
+          <a:lstStyle/>
+          <a:p>
+            <a:endParaRPr lang="en-IN" dirty="0"/>
+          </a:p>
+        </p:txBody>
+      </p:sp>
+    </p:spTree>
+    <p:extLst>
+      <p:ext uri="{BB962C8B-B14F-4D97-AF65-F5344CB8AC3E}">
+        <p14:creationId xmlns:p14="http://schemas.microsoft.com/office/powerpoint/2010/main" val="2369261789"/>
       </p:ext>
     </p:extLst>
   </p:cSld>
@@ -9726,6 +9855,114 @@
 </p:sld>
 </file>
 
+<file path=ppt/slides/slide10.xml><?xml version="1.0" encoding="utf-8"?>
+<p:sld xmlns:a="http://schemas.openxmlformats.org/drawingml/2006/main" xmlns:r="http://schemas.openxmlformats.org/officeDocument/2006/relationships" xmlns:p="http://schemas.openxmlformats.org/presentationml/2006/main">
+  <p:cSld>
+    <p:spTree>
+      <p:nvGrpSpPr>
+        <p:cNvPr id="1" name=""/>
+        <p:cNvGrpSpPr/>
+        <p:nvPr/>
+      </p:nvGrpSpPr>
+      <p:grpSpPr>
+        <a:xfrm>
+          <a:off x="0" y="0"/>
+          <a:ext cx="0" cy="0"/>
+          <a:chOff x="0" y="0"/>
+          <a:chExt cx="0" cy="0"/>
+        </a:xfrm>
+      </p:grpSpPr>
+      <p:sp>
+        <p:nvSpPr>
+          <p:cNvPr id="2" name="Title 1"/>
+          <p:cNvSpPr>
+            <a:spLocks noGrp="1"/>
+          </p:cNvSpPr>
+          <p:nvPr>
+            <p:ph type="title"/>
+          </p:nvPr>
+        </p:nvSpPr>
+        <p:spPr/>
+        <p:txBody>
+          <a:bodyPr/>
+          <a:lstStyle/>
+          <a:p>
+            <a:r>
+              <a:rPr lang="en-US" dirty="0" smtClean="0"/>
+              <a:t>Thank You</a:t>
+            </a:r>
+            <a:endParaRPr lang="en-IN" dirty="0"/>
+          </a:p>
+        </p:txBody>
+      </p:sp>
+      <p:sp>
+        <p:nvSpPr>
+          <p:cNvPr id="4" name="Text Placeholder 3"/>
+          <p:cNvSpPr>
+            <a:spLocks noGrp="1"/>
+          </p:cNvSpPr>
+          <p:nvPr>
+            <p:ph type="body" idx="2"/>
+          </p:nvPr>
+        </p:nvSpPr>
+        <p:spPr>
+          <a:xfrm>
+            <a:off x="819150" y="1550600"/>
+            <a:ext cx="5859900" cy="2095500"/>
+          </a:xfrm>
+        </p:spPr>
+        <p:txBody>
+          <a:bodyPr/>
+          <a:lstStyle/>
+          <a:p>
+            <a:pPr marL="146050" indent="0">
+              <a:buNone/>
+            </a:pPr>
+            <a:r>
+              <a:rPr lang="en-US" b="1" dirty="0" smtClean="0"/>
+              <a:t>Insights we got and would like to include from Virtual Hackathon</a:t>
+            </a:r>
+          </a:p>
+          <a:p>
+            <a:r>
+              <a:rPr lang="en-US" dirty="0" smtClean="0"/>
+              <a:t>Feature for uploading photos from the Chat bot itself.</a:t>
+            </a:r>
+          </a:p>
+          <a:p>
+            <a:r>
+              <a:rPr lang="en-US" dirty="0" smtClean="0"/>
+              <a:t>Feature for converting speech to Text from different languages.</a:t>
+            </a:r>
+          </a:p>
+          <a:p>
+            <a:endParaRPr lang="en-US" dirty="0" smtClean="0"/>
+          </a:p>
+          <a:p>
+            <a:endParaRPr lang="en-IN" dirty="0"/>
+          </a:p>
+        </p:txBody>
+      </p:sp>
+    </p:spTree>
+    <p:extLst>
+      <p:ext uri="{BB962C8B-B14F-4D97-AF65-F5344CB8AC3E}">
+        <p14:creationId xmlns:p14="http://schemas.microsoft.com/office/powerpoint/2010/main" val="2198223961"/>
+      </p:ext>
+    </p:extLst>
+  </p:cSld>
+  <p:clrMapOvr>
+    <a:masterClrMapping/>
+  </p:clrMapOvr>
+  <p:timing>
+    <p:tnLst>
+      <p:par>
+        <p:cTn id="1" dur="indefinite" restart="never" nodeType="tmRoot"/>
+      </p:par>
+    </p:tnLst>
+  </p:timing>
+</p:sld>
+</file>
+
 <file path=ppt/slides/slide2.xml><?xml version="1.0" encoding="utf-8"?>
 <p:sld xmlns:a="http://schemas.openxmlformats.org/drawingml/2006/main" xmlns:r="http://schemas.openxmlformats.org/officeDocument/2006/relationships" xmlns:p="http://schemas.openxmlformats.org/presentationml/2006/main">
   <p:cSld>
@@ -11449,6 +11686,13 @@
   <p:clrMapOvr>
     <a:masterClrMapping/>
   </p:clrMapOvr>
+  <p:timing>
+    <p:tnLst>
+      <p:par>
+        <p:cTn id="1" dur="indefinite" restart="never" nodeType="tmRoot"/>
+      </p:par>
+    </p:tnLst>
+  </p:timing>
 </p:sld>
 </file>
 
@@ -11608,6 +11852,13 @@
   <p:clrMapOvr>
     <a:masterClrMapping/>
   </p:clrMapOvr>
+  <p:timing>
+    <p:tnLst>
+      <p:par>
+        <p:cTn id="1" dur="indefinite" restart="never" nodeType="tmRoot"/>
+      </p:par>
+    </p:tnLst>
+  </p:timing>
 </p:sld>
 </file>
 
@@ -11668,32 +11919,12 @@
           <a:p>
             <a:r>
               <a:rPr lang="en-IN" dirty="0" smtClean="0"/>
-              <a:t>About 90%</a:t>
+              <a:t>About </a:t>
             </a:r>
-            <a:endParaRPr lang="en-IN" dirty="0"/>
-          </a:p>
-        </p:txBody>
-      </p:sp>
-      <p:sp>
-        <p:nvSpPr>
-          <p:cNvPr id="4" name="Text Placeholder 3"/>
-          <p:cNvSpPr>
-            <a:spLocks noGrp="1"/>
-          </p:cNvSpPr>
-          <p:nvPr>
-            <p:ph type="body" idx="2"/>
-          </p:nvPr>
-        </p:nvSpPr>
-        <p:spPr>
-          <a:xfrm>
-            <a:off x="819150" y="1944300"/>
-            <a:ext cx="5859900" cy="2095500"/>
-          </a:xfrm>
-        </p:spPr>
-        <p:txBody>
-          <a:bodyPr/>
-          <a:lstStyle/>
-          <a:p>
+            <a:r>
+              <a:rPr lang="en-IN" dirty="0" smtClean="0"/>
+              <a:t>93%</a:t>
+            </a:r>
             <a:endParaRPr lang="en-IN" dirty="0"/>
           </a:p>
         </p:txBody>
@@ -11708,6 +11939,79 @@
   <p:clrMapOvr>
     <a:masterClrMapping/>
   </p:clrMapOvr>
+  <p:timing>
+    <p:tnLst>
+      <p:par>
+        <p:cTn id="1" dur="indefinite" restart="never" nodeType="tmRoot"/>
+      </p:par>
+    </p:tnLst>
+  </p:timing>
+</p:sld>
+</file>
+
+<file path=ppt/slides/slide9.xml><?xml version="1.0" encoding="utf-8"?>
+<p:sld xmlns:a="http://schemas.openxmlformats.org/drawingml/2006/main" xmlns:r="http://schemas.openxmlformats.org/officeDocument/2006/relationships" xmlns:p="http://schemas.openxmlformats.org/presentationml/2006/main">
+  <p:cSld>
+    <p:spTree>
+      <p:nvGrpSpPr>
+        <p:cNvPr id="1" name=""/>
+        <p:cNvGrpSpPr/>
+        <p:nvPr/>
+      </p:nvGrpSpPr>
+      <p:grpSpPr>
+        <a:xfrm>
+          <a:off x="0" y="0"/>
+          <a:ext cx="0" cy="0"/>
+          <a:chOff x="0" y="0"/>
+          <a:chExt cx="0" cy="0"/>
+        </a:xfrm>
+      </p:grpSpPr>
+      <p:pic>
+        <p:nvPicPr>
+          <p:cNvPr id="5" name="Picture 4"/>
+          <p:cNvPicPr>
+            <a:picLocks noChangeAspect="1"/>
+          </p:cNvPicPr>
+          <p:nvPr/>
+        </p:nvPicPr>
+        <p:blipFill rotWithShape="1">
+          <a:blip r:embed="rId3">
+            <a:extLst>
+              <a:ext uri="{28A0092B-C50C-407E-A947-70E740481C1C}">
+                <a14:useLocalDpi xmlns:a14="http://schemas.microsoft.com/office/drawing/2010/main" val="0"/>
+              </a:ext>
+            </a:extLst>
+          </a:blip>
+          <a:srcRect l="1" t="4657" r="-250" b="5743"/>
+          <a:stretch/>
+        </p:blipFill>
+        <p:spPr>
+          <a:xfrm>
+            <a:off x="0" y="205740"/>
+            <a:ext cx="9166860" cy="4777740"/>
+          </a:xfrm>
+          <a:prstGeom prst="rect">
+            <a:avLst/>
+          </a:prstGeom>
+        </p:spPr>
+      </p:pic>
+    </p:spTree>
+    <p:extLst>
+      <p:ext uri="{BB962C8B-B14F-4D97-AF65-F5344CB8AC3E}">
+        <p14:creationId xmlns:p14="http://schemas.microsoft.com/office/powerpoint/2010/main" val="53948744"/>
+      </p:ext>
+    </p:extLst>
+  </p:cSld>
+  <p:clrMapOvr>
+    <a:masterClrMapping/>
+  </p:clrMapOvr>
+  <p:timing>
+    <p:tnLst>
+      <p:par>
+        <p:cTn id="1" dur="indefinite" restart="never" nodeType="tmRoot"/>
+      </p:par>
+    </p:tnLst>
+  </p:timing>
 </p:sld>
 </file>
 
